--- a/Stock_Price_Analysis .pptx
+++ b/Stock_Price_Analysis .pptx
@@ -5,7 +5,7 @@
     <p:sldMasterId id="2147483648" r:id="rId1"/>
   </p:sldMasterIdLst>
   <p:notesMasterIdLst>
-    <p:notesMasterId r:id="rId13"/>
+    <p:notesMasterId r:id="rId18"/>
   </p:notesMasterIdLst>
   <p:sldIdLst>
     <p:sldId id="256" r:id="rId2"/>
@@ -19,6 +19,11 @@
     <p:sldId id="263" r:id="rId10"/>
     <p:sldId id="264" r:id="rId11"/>
     <p:sldId id="265" r:id="rId12"/>
+    <p:sldId id="267" r:id="rId13"/>
+    <p:sldId id="268" r:id="rId14"/>
+    <p:sldId id="270" r:id="rId15"/>
+    <p:sldId id="272" r:id="rId16"/>
+    <p:sldId id="271" r:id="rId17"/>
   </p:sldIdLst>
   <p:sldSz cx="12192000" cy="6858000"/>
   <p:notesSz cx="6858000" cy="9144000"/>
@@ -117,6 +122,11 @@
       </a:defRPr>
     </a:lvl9pPr>
   </p:defaultTextStyle>
+  <p:extLst>
+    <p:ext uri="{EFAFB233-063F-42B5-8137-9DF3F51BA10A}">
+      <p15:sldGuideLst xmlns:p15="http://schemas.microsoft.com/office/powerpoint/2012/main"/>
+    </p:ext>
+  </p:extLst>
 </p:presentation>
 </file>
 
@@ -202,7 +212,7 @@
           <a:p>
             <a:fld id="{8BA8E79F-9907-984D-BFC2-87F4B1B195B1}" type="datetimeFigureOut">
               <a:rPr lang="en-US" smtClean="0"/>
-              <a:t>3/15/18</a:t>
+              <a:t>3/16/18</a:t>
             </a:fld>
             <a:endParaRPr lang="en-US"/>
           </a:p>
@@ -524,6 +534,25 @@
               <a:t>All rows and columns have data, and,  we didn’t have to clean it.</a:t>
             </a:r>
           </a:p>
+          <a:p>
+            <a:r>
+              <a:rPr lang="en-US" dirty="0"/>
+              <a:t>Not able to retrieve data from Google finance  on last minute was working fine until yesterday, but suddenly stop cooperating. So couldn’t get the data for AAPLE when I ran the code Friday morning.</a:t>
+            </a:r>
+          </a:p>
+          <a:p>
+            <a:r>
+              <a:rPr lang="en-US" dirty="0"/>
+              <a:t>But luckily, we had made the copy of it and had sent it to repo.  So we are good.</a:t>
+            </a:r>
+            <a:r>
+              <a:rPr lang="en-US" dirty="0">
+                <a:sym typeface="Wingdings" pitchFamily="2" charset="2"/>
+              </a:rPr>
+              <a:t> </a:t>
+            </a:r>
+            <a:endParaRPr lang="en-US" dirty="0"/>
+          </a:p>
         </p:txBody>
       </p:sp>
       <p:sp>
@@ -606,61 +635,112 @@
           <a:bodyPr/>
           <a:lstStyle/>
           <a:p>
+            <a:endParaRPr lang="en-US" sz="1200" b="0" i="0" kern="1200" dirty="0">
+              <a:solidFill>
+                <a:schemeClr val="tx1"/>
+              </a:solidFill>
+              <a:effectLst/>
+              <a:latin typeface="+mn-lt"/>
+              <a:ea typeface="+mn-ea"/>
+              <a:cs typeface="+mn-cs"/>
+            </a:endParaRPr>
+          </a:p>
+          <a:p>
             <a:r>
               <a:rPr lang="en-US" dirty="0"/>
-              <a:t>So, let’s look at risk calculations for these stocks. So, what is value at risk? It’s  the measure of the Risk of loss for investment. It estimates how much a set of investment might loose in a set time period in normal market conditions.</a:t>
-            </a:r>
-          </a:p>
-          <a:p>
-            <a:endParaRPr lang="en-US" dirty="0"/>
-          </a:p>
-          <a:p>
-            <a:pPr marL="0" marR="0" lvl="0" indent="0" algn="l" defTabSz="914400" rtl="0" eaLnBrk="1" fontAlgn="auto" latinLnBrk="0" hangingPunct="1">
-              <a:lnSpc>
-                <a:spcPct val="100000"/>
-              </a:lnSpc>
-              <a:spcBef>
-                <a:spcPts val="0"/>
-              </a:spcBef>
-              <a:spcAft>
-                <a:spcPts val="0"/>
-              </a:spcAft>
-              <a:buClrTx/>
-              <a:buSzTx/>
-              <a:buFontTx/>
-              <a:buNone/>
-              <a:tabLst/>
-              <a:defRPr/>
-            </a:pPr>
-            <a:r>
-              <a:rPr lang="en-US" dirty="0"/>
-              <a:t>How much value do we put at risk by investing in a particular stock??</a:t>
-            </a:r>
-          </a:p>
-          <a:p>
-            <a:pPr marL="0" marR="0" lvl="0" indent="0" algn="l" defTabSz="914400" rtl="0" eaLnBrk="1" fontAlgn="auto" latinLnBrk="0" hangingPunct="1">
-              <a:lnSpc>
-                <a:spcPct val="100000"/>
-              </a:lnSpc>
-              <a:spcBef>
-                <a:spcPts val="0"/>
-              </a:spcBef>
-              <a:spcAft>
-                <a:spcPts val="0"/>
-              </a:spcAft>
-              <a:buClrTx/>
-              <a:buSzTx/>
-              <a:buFontTx/>
-              <a:buNone/>
-              <a:tabLst/>
-              <a:defRPr/>
-            </a:pPr>
-            <a:r>
-              <a:rPr lang="en-US" dirty="0"/>
-              <a:t>We will use various functions of pandas.</a:t>
-            </a:r>
-          </a:p>
-          <a:p>
+              <a:t>On this slid we can see the correlation-coefficient for all stocks. </a:t>
+            </a:r>
+            <a:endParaRPr lang="en-US" sz="1200" b="0" i="0" kern="1200" dirty="0">
+              <a:solidFill>
+                <a:schemeClr val="tx1"/>
+              </a:solidFill>
+              <a:effectLst/>
+              <a:latin typeface="+mn-lt"/>
+              <a:ea typeface="+mn-ea"/>
+              <a:cs typeface="+mn-cs"/>
+            </a:endParaRPr>
+          </a:p>
+          <a:p>
+            <a:r>
+              <a:rPr lang="en-US" sz="1200" b="0" i="0" kern="1200" dirty="0">
+                <a:solidFill>
+                  <a:schemeClr val="tx1"/>
+                </a:solidFill>
+                <a:effectLst/>
+                <a:latin typeface="+mn-lt"/>
+                <a:ea typeface="+mn-ea"/>
+                <a:cs typeface="+mn-cs"/>
+              </a:rPr>
+              <a:t>From the matrix, it is pretty clear that the Closing Prices of the stocks do depend on one another. </a:t>
+            </a:r>
+          </a:p>
+          <a:p>
+            <a:r>
+              <a:rPr lang="en-US" sz="1200" b="0" i="0" kern="1200" dirty="0" err="1">
+                <a:solidFill>
+                  <a:schemeClr val="tx1"/>
+                </a:solidFill>
+                <a:effectLst/>
+                <a:latin typeface="+mn-lt"/>
+                <a:ea typeface="+mn-ea"/>
+                <a:cs typeface="+mn-cs"/>
+              </a:rPr>
+              <a:t>i.e</a:t>
+            </a:r>
+            <a:r>
+              <a:rPr lang="en-US" sz="1200" b="0" i="0" kern="1200" dirty="0">
+                <a:solidFill>
+                  <a:schemeClr val="tx1"/>
+                </a:solidFill>
+                <a:effectLst/>
+                <a:latin typeface="+mn-lt"/>
+                <a:ea typeface="+mn-ea"/>
+                <a:cs typeface="+mn-cs"/>
+              </a:rPr>
+              <a:t> all tech stocks are more or less positively correlated to each other</a:t>
+            </a:r>
+          </a:p>
+          <a:p>
+            <a:r>
+              <a:rPr lang="en-US" sz="1200" b="0" i="0" kern="1200" dirty="0">
+                <a:solidFill>
+                  <a:schemeClr val="tx1"/>
+                </a:solidFill>
+                <a:effectLst/>
+                <a:latin typeface="+mn-lt"/>
+                <a:ea typeface="+mn-ea"/>
+                <a:cs typeface="+mn-cs"/>
+              </a:rPr>
+              <a:t>FB prices are strongly positively correlated to AAPL,AMZN,GOOG and NFXL, except GLD.</a:t>
+            </a:r>
+          </a:p>
+          <a:p>
+            <a:r>
+              <a:rPr lang="en-US" sz="1200" b="0" i="0" kern="1200" dirty="0">
+                <a:solidFill>
+                  <a:schemeClr val="tx1"/>
+                </a:solidFill>
+                <a:effectLst/>
+                <a:latin typeface="+mn-lt"/>
+                <a:ea typeface="+mn-ea"/>
+                <a:cs typeface="+mn-cs"/>
+              </a:rPr>
+              <a:t>In fact, whereas the Gold(GLD) prices are not getting affected by the prices of the other Tech stocks.</a:t>
+            </a:r>
+          </a:p>
+          <a:p>
+            <a:r>
+              <a:rPr lang="en-US" sz="1200" b="0" i="0" kern="1200" dirty="0">
+                <a:solidFill>
+                  <a:schemeClr val="tx1"/>
+                </a:solidFill>
+                <a:effectLst/>
+                <a:latin typeface="+mn-lt"/>
+                <a:ea typeface="+mn-ea"/>
+                <a:cs typeface="+mn-cs"/>
+              </a:rPr>
+              <a:t>This indicates that there is a weak correlation between GLD and other stocks in the list. Take a close look at it on next slid.</a:t>
+            </a:r>
             <a:endParaRPr lang="en-US" dirty="0"/>
           </a:p>
         </p:txBody>
@@ -682,7 +762,7 @@
           <a:p>
             <a:fld id="{D9A30D00-3275-5949-9C00-6518709659FB}" type="slidenum">
               <a:rPr lang="en-US" smtClean="0"/>
-              <a:t>9</a:t>
+              <a:t>7</a:t>
             </a:fld>
             <a:endParaRPr lang="en-US"/>
           </a:p>
@@ -691,7 +771,7 @@
     </p:spTree>
     <p:extLst>
       <p:ext uri="{BB962C8B-B14F-4D97-AF65-F5344CB8AC3E}">
-        <p14:creationId xmlns:p14="http://schemas.microsoft.com/office/powerpoint/2010/main" val="4145585338"/>
+        <p14:creationId xmlns:p14="http://schemas.microsoft.com/office/powerpoint/2010/main" val="3381087833"/>
       </p:ext>
     </p:extLst>
   </p:cSld>
@@ -746,9 +826,311 @@
           <a:lstStyle/>
           <a:p>
             <a:r>
+              <a:rPr lang="en-US" sz="1200" b="0" i="0" kern="1200" dirty="0">
+                <a:solidFill>
+                  <a:schemeClr val="tx1"/>
+                </a:solidFill>
+                <a:effectLst/>
+                <a:latin typeface="+mn-lt"/>
+                <a:ea typeface="+mn-ea"/>
+                <a:cs typeface="+mn-cs"/>
+              </a:rPr>
+              <a:t>Why buying a Gold stock is recommended?</a:t>
+            </a:r>
+          </a:p>
+          <a:p>
+            <a:r>
+              <a:rPr lang="en-US" sz="1200" b="0" i="0" kern="1200" dirty="0">
+                <a:solidFill>
+                  <a:schemeClr val="tx1"/>
+                </a:solidFill>
+                <a:effectLst/>
+                <a:latin typeface="+mn-lt"/>
+                <a:ea typeface="+mn-ea"/>
+                <a:cs typeface="+mn-cs"/>
+              </a:rPr>
+              <a:t>So, buying GLD stocks will be a good idea to have diversified well-balanced portfolio.</a:t>
+            </a:r>
+          </a:p>
+          <a:p>
+            <a:r>
+              <a:rPr lang="en-US" dirty="0"/>
+              <a:t>Pearson r = -o.032, p = 0.62</a:t>
+            </a:r>
+          </a:p>
+          <a:p>
+            <a:r>
+              <a:rPr lang="en-US" dirty="0"/>
+              <a:t>(GLD is negatively correlated to AAPL) </a:t>
+            </a:r>
+          </a:p>
+          <a:p>
+            <a:r>
+              <a:rPr lang="en-US" dirty="0"/>
+              <a:t>p is the </a:t>
+            </a:r>
+            <a:r>
+              <a:rPr lang="en-US" dirty="0" err="1"/>
+              <a:t>corr-coeff’s</a:t>
+            </a:r>
+            <a:r>
+              <a:rPr lang="en-US" dirty="0"/>
+              <a:t> probability that the relationship between two variables is zero.</a:t>
+            </a:r>
+          </a:p>
+          <a:p>
+            <a:endParaRPr lang="en-US" dirty="0"/>
+          </a:p>
+          <a:p>
+            <a:r>
+              <a:rPr lang="en-US" dirty="0"/>
+              <a:t>Strong relationship low p-values</a:t>
+            </a:r>
+          </a:p>
+          <a:p>
+            <a:r>
+              <a:rPr lang="en-US" dirty="0"/>
+              <a:t>See here. P =0.62. That indicates that there is very weak corr.</a:t>
+            </a:r>
+          </a:p>
+        </p:txBody>
+      </p:sp>
+      <p:sp>
+        <p:nvSpPr>
+          <p:cNvPr id="4" name="Slide Number Placeholder 3"/>
+          <p:cNvSpPr>
+            <a:spLocks noGrp="1"/>
+          </p:cNvSpPr>
+          <p:nvPr>
+            <p:ph type="sldNum" sz="quarter" idx="10"/>
+          </p:nvPr>
+        </p:nvSpPr>
+        <p:spPr/>
+        <p:txBody>
+          <a:bodyPr/>
+          <a:lstStyle/>
+          <a:p>
+            <a:fld id="{D9A30D00-3275-5949-9C00-6518709659FB}" type="slidenum">
+              <a:rPr lang="en-US" smtClean="0"/>
+              <a:t>8</a:t>
+            </a:fld>
+            <a:endParaRPr lang="en-US"/>
+          </a:p>
+        </p:txBody>
+      </p:sp>
+    </p:spTree>
+    <p:extLst>
+      <p:ext uri="{BB962C8B-B14F-4D97-AF65-F5344CB8AC3E}">
+        <p14:creationId xmlns:p14="http://schemas.microsoft.com/office/powerpoint/2010/main" val="123703817"/>
+      </p:ext>
+    </p:extLst>
+  </p:cSld>
+  <p:clrMapOvr>
+    <a:masterClrMapping/>
+  </p:clrMapOvr>
+</p:notes>
+</file>
+
+<file path=ppt/notesSlides/notesSlide4.xml><?xml version="1.0" encoding="utf-8"?>
+<p:notes xmlns:a="http://schemas.openxmlformats.org/drawingml/2006/main" xmlns:r="http://schemas.openxmlformats.org/officeDocument/2006/relationships" xmlns:p="http://schemas.openxmlformats.org/presentationml/2006/main">
+  <p:cSld>
+    <p:spTree>
+      <p:nvGrpSpPr>
+        <p:cNvPr id="1" name=""/>
+        <p:cNvGrpSpPr/>
+        <p:nvPr/>
+      </p:nvGrpSpPr>
+      <p:grpSpPr>
+        <a:xfrm>
+          <a:off x="0" y="0"/>
+          <a:ext cx="0" cy="0"/>
+          <a:chOff x="0" y="0"/>
+          <a:chExt cx="0" cy="0"/>
+        </a:xfrm>
+      </p:grpSpPr>
+      <p:sp>
+        <p:nvSpPr>
+          <p:cNvPr id="2" name="Slide Image Placeholder 1"/>
+          <p:cNvSpPr>
+            <a:spLocks noGrp="1" noRot="1" noChangeAspect="1"/>
+          </p:cNvSpPr>
+          <p:nvPr>
+            <p:ph type="sldImg"/>
+          </p:nvPr>
+        </p:nvSpPr>
+        <p:spPr/>
+      </p:sp>
+      <p:sp>
+        <p:nvSpPr>
+          <p:cNvPr id="3" name="Notes Placeholder 2"/>
+          <p:cNvSpPr>
+            <a:spLocks noGrp="1"/>
+          </p:cNvSpPr>
+          <p:nvPr>
+            <p:ph type="body" idx="1"/>
+          </p:nvPr>
+        </p:nvSpPr>
+        <p:spPr/>
+        <p:txBody>
+          <a:bodyPr/>
+          <a:lstStyle/>
+          <a:p>
+            <a:r>
+              <a:rPr lang="en-US" dirty="0"/>
+              <a:t>So, let’s look at risk calculations for these stocks. </a:t>
+            </a:r>
+          </a:p>
+          <a:p>
+            <a:r>
+              <a:rPr lang="en-US" dirty="0"/>
+              <a:t>So, what is value at risk? It’s  the measure of the Risk of loss for an investment. It estimates how much a set of investment might loose in a set time period in normal market conditions.</a:t>
+            </a:r>
+          </a:p>
+          <a:p>
+            <a:endParaRPr lang="en-US" dirty="0"/>
+          </a:p>
+          <a:p>
+            <a:pPr marL="0" marR="0" lvl="0" indent="0" algn="l" defTabSz="914400" rtl="0" eaLnBrk="1" fontAlgn="auto" latinLnBrk="0" hangingPunct="1">
+              <a:lnSpc>
+                <a:spcPct val="100000"/>
+              </a:lnSpc>
+              <a:spcBef>
+                <a:spcPts val="0"/>
+              </a:spcBef>
+              <a:spcAft>
+                <a:spcPts val="0"/>
+              </a:spcAft>
+              <a:buClrTx/>
+              <a:buSzTx/>
+              <a:buFontTx/>
+              <a:buNone/>
+              <a:tabLst/>
+              <a:defRPr/>
+            </a:pPr>
+            <a:r>
+              <a:rPr lang="en-US" dirty="0"/>
+              <a:t>How much value do we put at risk by investing in a particular stock??</a:t>
+            </a:r>
+          </a:p>
+          <a:p>
+            <a:pPr marL="0" marR="0" lvl="0" indent="0" algn="l" defTabSz="914400" rtl="0" eaLnBrk="1" fontAlgn="auto" latinLnBrk="0" hangingPunct="1">
+              <a:lnSpc>
+                <a:spcPct val="100000"/>
+              </a:lnSpc>
+              <a:spcBef>
+                <a:spcPts val="0"/>
+              </a:spcBef>
+              <a:spcAft>
+                <a:spcPts val="0"/>
+              </a:spcAft>
+              <a:buClrTx/>
+              <a:buSzTx/>
+              <a:buFontTx/>
+              <a:buNone/>
+              <a:tabLst/>
+              <a:defRPr/>
+            </a:pPr>
+            <a:r>
+              <a:rPr lang="en-US" dirty="0"/>
+              <a:t>We will use various functions of pandas.</a:t>
+            </a:r>
+          </a:p>
+          <a:p>
+            <a:endParaRPr lang="en-US" dirty="0"/>
+          </a:p>
+        </p:txBody>
+      </p:sp>
+      <p:sp>
+        <p:nvSpPr>
+          <p:cNvPr id="4" name="Slide Number Placeholder 3"/>
+          <p:cNvSpPr>
+            <a:spLocks noGrp="1"/>
+          </p:cNvSpPr>
+          <p:nvPr>
+            <p:ph type="sldNum" sz="quarter" idx="10"/>
+          </p:nvPr>
+        </p:nvSpPr>
+        <p:spPr/>
+        <p:txBody>
+          <a:bodyPr/>
+          <a:lstStyle/>
+          <a:p>
+            <a:fld id="{D9A30D00-3275-5949-9C00-6518709659FB}" type="slidenum">
+              <a:rPr lang="en-US" smtClean="0"/>
+              <a:t>9</a:t>
+            </a:fld>
+            <a:endParaRPr lang="en-US"/>
+          </a:p>
+        </p:txBody>
+      </p:sp>
+    </p:spTree>
+    <p:extLst>
+      <p:ext uri="{BB962C8B-B14F-4D97-AF65-F5344CB8AC3E}">
+        <p14:creationId xmlns:p14="http://schemas.microsoft.com/office/powerpoint/2010/main" val="4145585338"/>
+      </p:ext>
+    </p:extLst>
+  </p:cSld>
+  <p:clrMapOvr>
+    <a:masterClrMapping/>
+  </p:clrMapOvr>
+</p:notes>
+</file>
+
+<file path=ppt/notesSlides/notesSlide5.xml><?xml version="1.0" encoding="utf-8"?>
+<p:notes xmlns:a="http://schemas.openxmlformats.org/drawingml/2006/main" xmlns:r="http://schemas.openxmlformats.org/officeDocument/2006/relationships" xmlns:p="http://schemas.openxmlformats.org/presentationml/2006/main">
+  <p:cSld>
+    <p:spTree>
+      <p:nvGrpSpPr>
+        <p:cNvPr id="1" name=""/>
+        <p:cNvGrpSpPr/>
+        <p:nvPr/>
+      </p:nvGrpSpPr>
+      <p:grpSpPr>
+        <a:xfrm>
+          <a:off x="0" y="0"/>
+          <a:ext cx="0" cy="0"/>
+          <a:chOff x="0" y="0"/>
+          <a:chExt cx="0" cy="0"/>
+        </a:xfrm>
+      </p:grpSpPr>
+      <p:sp>
+        <p:nvSpPr>
+          <p:cNvPr id="2" name="Slide Image Placeholder 1"/>
+          <p:cNvSpPr>
+            <a:spLocks noGrp="1" noRot="1" noChangeAspect="1"/>
+          </p:cNvSpPr>
+          <p:nvPr>
+            <p:ph type="sldImg"/>
+          </p:nvPr>
+        </p:nvSpPr>
+        <p:spPr/>
+      </p:sp>
+      <p:sp>
+        <p:nvSpPr>
+          <p:cNvPr id="3" name="Notes Placeholder 2"/>
+          <p:cNvSpPr>
+            <a:spLocks noGrp="1"/>
+          </p:cNvSpPr>
+          <p:nvPr>
+            <p:ph type="body" idx="1"/>
+          </p:nvPr>
+        </p:nvSpPr>
+        <p:spPr/>
+        <p:txBody>
+          <a:bodyPr/>
+          <a:lstStyle/>
+          <a:p>
+            <a:r>
               <a:rPr lang="en-US" dirty="0"/>
               <a:t>“GOOG is the low risk low return among  tech stocks.” This sounds counter intuitive, but, this is only relative to the stocks we have analyzed.</a:t>
             </a:r>
+            <a:r>
+              <a:rPr lang="en-US" dirty="0">
+                <a:sym typeface="Wingdings" pitchFamily="2" charset="2"/>
+              </a:rPr>
+              <a:t></a:t>
+            </a:r>
+            <a:endParaRPr lang="en-US" dirty="0"/>
           </a:p>
         </p:txBody>
       </p:sp>
@@ -779,6 +1161,402 @@
     <p:extLst>
       <p:ext uri="{BB962C8B-B14F-4D97-AF65-F5344CB8AC3E}">
         <p14:creationId xmlns:p14="http://schemas.microsoft.com/office/powerpoint/2010/main" val="3350386121"/>
+      </p:ext>
+    </p:extLst>
+  </p:cSld>
+  <p:clrMapOvr>
+    <a:masterClrMapping/>
+  </p:clrMapOvr>
+</p:notes>
+</file>
+
+<file path=ppt/notesSlides/notesSlide6.xml><?xml version="1.0" encoding="utf-8"?>
+<p:notes xmlns:a="http://schemas.openxmlformats.org/drawingml/2006/main" xmlns:r="http://schemas.openxmlformats.org/officeDocument/2006/relationships" xmlns:p="http://schemas.openxmlformats.org/presentationml/2006/main">
+  <p:cSld>
+    <p:spTree>
+      <p:nvGrpSpPr>
+        <p:cNvPr id="1" name=""/>
+        <p:cNvGrpSpPr/>
+        <p:nvPr/>
+      </p:nvGrpSpPr>
+      <p:grpSpPr>
+        <a:xfrm>
+          <a:off x="0" y="0"/>
+          <a:ext cx="0" cy="0"/>
+          <a:chOff x="0" y="0"/>
+          <a:chExt cx="0" cy="0"/>
+        </a:xfrm>
+      </p:grpSpPr>
+      <p:sp>
+        <p:nvSpPr>
+          <p:cNvPr id="2" name="Slide Image Placeholder 1"/>
+          <p:cNvSpPr>
+            <a:spLocks noGrp="1" noRot="1" noChangeAspect="1"/>
+          </p:cNvSpPr>
+          <p:nvPr>
+            <p:ph type="sldImg"/>
+          </p:nvPr>
+        </p:nvSpPr>
+        <p:spPr/>
+      </p:sp>
+      <p:sp>
+        <p:nvSpPr>
+          <p:cNvPr id="3" name="Notes Placeholder 2"/>
+          <p:cNvSpPr>
+            <a:spLocks noGrp="1"/>
+          </p:cNvSpPr>
+          <p:nvPr>
+            <p:ph type="body" idx="1"/>
+          </p:nvPr>
+        </p:nvSpPr>
+        <p:spPr/>
+        <p:txBody>
+          <a:bodyPr/>
+          <a:lstStyle/>
+          <a:p>
+            <a:r>
+              <a:rPr lang="en-US" dirty="0"/>
+              <a:t>Now we will analyze the individual stock. We have done it for Apple, and, the the process will be the same for the rest of the stock.</a:t>
+            </a:r>
+          </a:p>
+        </p:txBody>
+      </p:sp>
+      <p:sp>
+        <p:nvSpPr>
+          <p:cNvPr id="4" name="Slide Number Placeholder 3"/>
+          <p:cNvSpPr>
+            <a:spLocks noGrp="1"/>
+          </p:cNvSpPr>
+          <p:nvPr>
+            <p:ph type="sldNum" sz="quarter" idx="10"/>
+          </p:nvPr>
+        </p:nvSpPr>
+        <p:spPr/>
+        <p:txBody>
+          <a:bodyPr/>
+          <a:lstStyle/>
+          <a:p>
+            <a:fld id="{D9A30D00-3275-5949-9C00-6518709659FB}" type="slidenum">
+              <a:rPr lang="en-US" smtClean="0"/>
+              <a:t>11</a:t>
+            </a:fld>
+            <a:endParaRPr lang="en-US"/>
+          </a:p>
+        </p:txBody>
+      </p:sp>
+    </p:spTree>
+    <p:extLst>
+      <p:ext uri="{BB962C8B-B14F-4D97-AF65-F5344CB8AC3E}">
+        <p14:creationId xmlns:p14="http://schemas.microsoft.com/office/powerpoint/2010/main" val="844014330"/>
+      </p:ext>
+    </p:extLst>
+  </p:cSld>
+  <p:clrMapOvr>
+    <a:masterClrMapping/>
+  </p:clrMapOvr>
+</p:notes>
+</file>
+
+<file path=ppt/notesSlides/notesSlide7.xml><?xml version="1.0" encoding="utf-8"?>
+<p:notes xmlns:a="http://schemas.openxmlformats.org/drawingml/2006/main" xmlns:r="http://schemas.openxmlformats.org/officeDocument/2006/relationships" xmlns:p="http://schemas.openxmlformats.org/presentationml/2006/main">
+  <p:cSld>
+    <p:spTree>
+      <p:nvGrpSpPr>
+        <p:cNvPr id="1" name=""/>
+        <p:cNvGrpSpPr/>
+        <p:nvPr/>
+      </p:nvGrpSpPr>
+      <p:grpSpPr>
+        <a:xfrm>
+          <a:off x="0" y="0"/>
+          <a:ext cx="0" cy="0"/>
+          <a:chOff x="0" y="0"/>
+          <a:chExt cx="0" cy="0"/>
+        </a:xfrm>
+      </p:grpSpPr>
+      <p:sp>
+        <p:nvSpPr>
+          <p:cNvPr id="2" name="Slide Image Placeholder 1"/>
+          <p:cNvSpPr>
+            <a:spLocks noGrp="1" noRot="1" noChangeAspect="1"/>
+          </p:cNvSpPr>
+          <p:nvPr>
+            <p:ph type="sldImg"/>
+          </p:nvPr>
+        </p:nvSpPr>
+        <p:spPr/>
+      </p:sp>
+      <p:sp>
+        <p:nvSpPr>
+          <p:cNvPr id="3" name="Notes Placeholder 2"/>
+          <p:cNvSpPr>
+            <a:spLocks noGrp="1"/>
+          </p:cNvSpPr>
+          <p:nvPr>
+            <p:ph type="body" idx="1"/>
+          </p:nvPr>
+        </p:nvSpPr>
+        <p:spPr/>
+        <p:txBody>
+          <a:bodyPr/>
+          <a:lstStyle/>
+          <a:p>
+            <a:pPr marL="171450" indent="-171450">
+              <a:buFont typeface="Arial" panose="020B0604020202020204" pitchFamily="34" charset="0"/>
+              <a:buChar char="•"/>
+            </a:pPr>
+            <a:r>
+              <a:rPr lang="en-US" sz="1200" b="0" i="0" kern="1200" dirty="0">
+                <a:solidFill>
+                  <a:schemeClr val="tx1"/>
+                </a:solidFill>
+                <a:effectLst/>
+                <a:latin typeface="+mn-lt"/>
+                <a:ea typeface="+mn-ea"/>
+                <a:cs typeface="+mn-cs"/>
+              </a:rPr>
+              <a:t>Moving average is the technique to get an overall idea of the trend in the data set.</a:t>
+            </a:r>
+          </a:p>
+          <a:p>
+            <a:pPr marL="171450" indent="-171450">
+              <a:buFont typeface="Arial" panose="020B0604020202020204" pitchFamily="34" charset="0"/>
+              <a:buChar char="•"/>
+            </a:pPr>
+            <a:r>
+              <a:rPr lang="en-US" sz="1200" b="0" i="0" kern="1200" dirty="0">
+                <a:solidFill>
+                  <a:schemeClr val="tx1"/>
+                </a:solidFill>
+                <a:effectLst/>
+                <a:latin typeface="+mn-lt"/>
+                <a:ea typeface="+mn-ea"/>
+                <a:cs typeface="+mn-cs"/>
+              </a:rPr>
+              <a:t>It is extremely useful in forecasting the long-term trend.</a:t>
+            </a:r>
+          </a:p>
+          <a:p>
+            <a:pPr marL="171450" marR="0" lvl="0" indent="-171450" algn="l" defTabSz="914400" rtl="0" eaLnBrk="1" fontAlgn="auto" latinLnBrk="0" hangingPunct="1">
+              <a:lnSpc>
+                <a:spcPct val="100000"/>
+              </a:lnSpc>
+              <a:spcBef>
+                <a:spcPts val="0"/>
+              </a:spcBef>
+              <a:spcAft>
+                <a:spcPts val="0"/>
+              </a:spcAft>
+              <a:buClrTx/>
+              <a:buSzTx/>
+              <a:buFont typeface="Arial" panose="020B0604020202020204" pitchFamily="34" charset="0"/>
+              <a:buChar char="•"/>
+              <a:tabLst/>
+              <a:defRPr/>
+            </a:pPr>
+            <a:r>
+              <a:rPr lang="en-US" sz="1200" b="0" i="0" kern="1200" dirty="0">
+                <a:solidFill>
+                  <a:schemeClr val="tx1"/>
+                </a:solidFill>
+                <a:effectLst/>
+                <a:latin typeface="+mn-lt"/>
+                <a:ea typeface="+mn-ea"/>
+                <a:cs typeface="+mn-cs"/>
+              </a:rPr>
+              <a:t>So, according to this table, the predicted closing price for the AAPL is 173.816, 173.816, 173.816 respectively depending which MA we consider.</a:t>
+            </a:r>
+          </a:p>
+          <a:p>
+            <a:pPr marL="171450" marR="0" lvl="0" indent="-171450" algn="l" defTabSz="914400" rtl="0" eaLnBrk="1" fontAlgn="auto" latinLnBrk="0" hangingPunct="1">
+              <a:lnSpc>
+                <a:spcPct val="100000"/>
+              </a:lnSpc>
+              <a:spcBef>
+                <a:spcPts val="0"/>
+              </a:spcBef>
+              <a:spcAft>
+                <a:spcPts val="0"/>
+              </a:spcAft>
+              <a:buClrTx/>
+              <a:buSzTx/>
+              <a:buFont typeface="Arial" panose="020B0604020202020204" pitchFamily="34" charset="0"/>
+              <a:buChar char="•"/>
+              <a:tabLst/>
+              <a:defRPr/>
+            </a:pPr>
+            <a:r>
+              <a:rPr lang="en-US" sz="1200" b="0" i="0" kern="1200" dirty="0">
+                <a:solidFill>
+                  <a:schemeClr val="tx1"/>
+                </a:solidFill>
+                <a:effectLst/>
+                <a:latin typeface="+mn-lt"/>
+                <a:ea typeface="+mn-ea"/>
+                <a:cs typeface="+mn-cs"/>
+              </a:rPr>
+              <a:t>Now let’s see if our predictions are true.</a:t>
+            </a:r>
+          </a:p>
+          <a:p>
+            <a:pPr marL="171450" marR="0" lvl="0" indent="-171450" algn="l" defTabSz="914400" rtl="0" eaLnBrk="1" fontAlgn="auto" latinLnBrk="0" hangingPunct="1">
+              <a:lnSpc>
+                <a:spcPct val="100000"/>
+              </a:lnSpc>
+              <a:spcBef>
+                <a:spcPts val="0"/>
+              </a:spcBef>
+              <a:spcAft>
+                <a:spcPts val="0"/>
+              </a:spcAft>
+              <a:buClrTx/>
+              <a:buSzTx/>
+              <a:buFont typeface="Arial" panose="020B0604020202020204" pitchFamily="34" charset="0"/>
+              <a:buChar char="•"/>
+              <a:tabLst/>
+              <a:defRPr/>
+            </a:pPr>
+            <a:endParaRPr lang="en-US" sz="1200" b="0" i="0" kern="1200" dirty="0">
+              <a:solidFill>
+                <a:schemeClr val="tx1"/>
+              </a:solidFill>
+              <a:effectLst/>
+              <a:latin typeface="+mn-lt"/>
+              <a:ea typeface="+mn-ea"/>
+              <a:cs typeface="+mn-cs"/>
+            </a:endParaRPr>
+          </a:p>
+          <a:p>
+            <a:pPr marL="171450" indent="-171450">
+              <a:buFont typeface="Arial" panose="020B0604020202020204" pitchFamily="34" charset="0"/>
+              <a:buChar char="•"/>
+            </a:pPr>
+            <a:endParaRPr lang="en-US" sz="1200" b="0" i="0" kern="1200" dirty="0">
+              <a:solidFill>
+                <a:schemeClr val="tx1"/>
+              </a:solidFill>
+              <a:effectLst/>
+              <a:latin typeface="+mn-lt"/>
+              <a:ea typeface="+mn-ea"/>
+              <a:cs typeface="+mn-cs"/>
+            </a:endParaRPr>
+          </a:p>
+          <a:p>
+            <a:endParaRPr lang="en-US" dirty="0"/>
+          </a:p>
+        </p:txBody>
+      </p:sp>
+      <p:sp>
+        <p:nvSpPr>
+          <p:cNvPr id="4" name="Slide Number Placeholder 3"/>
+          <p:cNvSpPr>
+            <a:spLocks noGrp="1"/>
+          </p:cNvSpPr>
+          <p:nvPr>
+            <p:ph type="sldNum" sz="quarter" idx="10"/>
+          </p:nvPr>
+        </p:nvSpPr>
+        <p:spPr/>
+        <p:txBody>
+          <a:bodyPr/>
+          <a:lstStyle/>
+          <a:p>
+            <a:fld id="{D9A30D00-3275-5949-9C00-6518709659FB}" type="slidenum">
+              <a:rPr lang="en-US" smtClean="0"/>
+              <a:t>12</a:t>
+            </a:fld>
+            <a:endParaRPr lang="en-US"/>
+          </a:p>
+        </p:txBody>
+      </p:sp>
+    </p:spTree>
+    <p:extLst>
+      <p:ext uri="{BB962C8B-B14F-4D97-AF65-F5344CB8AC3E}">
+        <p14:creationId xmlns:p14="http://schemas.microsoft.com/office/powerpoint/2010/main" val="1820900604"/>
+      </p:ext>
+    </p:extLst>
+  </p:cSld>
+  <p:clrMapOvr>
+    <a:masterClrMapping/>
+  </p:clrMapOvr>
+</p:notes>
+</file>
+
+<file path=ppt/notesSlides/notesSlide8.xml><?xml version="1.0" encoding="utf-8"?>
+<p:notes xmlns:a="http://schemas.openxmlformats.org/drawingml/2006/main" xmlns:r="http://schemas.openxmlformats.org/officeDocument/2006/relationships" xmlns:p="http://schemas.openxmlformats.org/presentationml/2006/main">
+  <p:cSld>
+    <p:spTree>
+      <p:nvGrpSpPr>
+        <p:cNvPr id="1" name=""/>
+        <p:cNvGrpSpPr/>
+        <p:nvPr/>
+      </p:nvGrpSpPr>
+      <p:grpSpPr>
+        <a:xfrm>
+          <a:off x="0" y="0"/>
+          <a:ext cx="0" cy="0"/>
+          <a:chOff x="0" y="0"/>
+          <a:chExt cx="0" cy="0"/>
+        </a:xfrm>
+      </p:grpSpPr>
+      <p:sp>
+        <p:nvSpPr>
+          <p:cNvPr id="2" name="Slide Image Placeholder 1"/>
+          <p:cNvSpPr>
+            <a:spLocks noGrp="1" noRot="1" noChangeAspect="1"/>
+          </p:cNvSpPr>
+          <p:nvPr>
+            <p:ph type="sldImg"/>
+          </p:nvPr>
+        </p:nvSpPr>
+        <p:spPr/>
+      </p:sp>
+      <p:sp>
+        <p:nvSpPr>
+          <p:cNvPr id="3" name="Notes Placeholder 2"/>
+          <p:cNvSpPr>
+            <a:spLocks noGrp="1"/>
+          </p:cNvSpPr>
+          <p:nvPr>
+            <p:ph type="body" idx="1"/>
+          </p:nvPr>
+        </p:nvSpPr>
+        <p:spPr/>
+        <p:txBody>
+          <a:bodyPr/>
+          <a:lstStyle/>
+          <a:p>
+            <a:endParaRPr lang="en-US" dirty="0"/>
+          </a:p>
+        </p:txBody>
+      </p:sp>
+      <p:sp>
+        <p:nvSpPr>
+          <p:cNvPr id="4" name="Slide Number Placeholder 3"/>
+          <p:cNvSpPr>
+            <a:spLocks noGrp="1"/>
+          </p:cNvSpPr>
+          <p:nvPr>
+            <p:ph type="sldNum" sz="quarter" idx="10"/>
+          </p:nvPr>
+        </p:nvSpPr>
+        <p:spPr/>
+        <p:txBody>
+          <a:bodyPr/>
+          <a:lstStyle/>
+          <a:p>
+            <a:fld id="{D9A30D00-3275-5949-9C00-6518709659FB}" type="slidenum">
+              <a:rPr lang="en-US" smtClean="0"/>
+              <a:t>13</a:t>
+            </a:fld>
+            <a:endParaRPr lang="en-US"/>
+          </a:p>
+        </p:txBody>
+      </p:sp>
+    </p:spTree>
+    <p:extLst>
+      <p:ext uri="{BB962C8B-B14F-4D97-AF65-F5344CB8AC3E}">
+        <p14:creationId xmlns:p14="http://schemas.microsoft.com/office/powerpoint/2010/main" val="4220580652"/>
       </p:ext>
     </p:extLst>
   </p:cSld>
@@ -935,7 +1713,7 @@
           <a:p>
             <a:fld id="{C19BF785-4DC3-344D-8740-1474A0E6638F}" type="datetimeFigureOut">
               <a:rPr lang="en-US" smtClean="0"/>
-              <a:t>3/15/18</a:t>
+              <a:t>3/16/18</a:t>
             </a:fld>
             <a:endParaRPr lang="en-US"/>
           </a:p>
@@ -1133,7 +1911,7 @@
           <a:p>
             <a:fld id="{C19BF785-4DC3-344D-8740-1474A0E6638F}" type="datetimeFigureOut">
               <a:rPr lang="en-US" smtClean="0"/>
-              <a:t>3/15/18</a:t>
+              <a:t>3/16/18</a:t>
             </a:fld>
             <a:endParaRPr lang="en-US"/>
           </a:p>
@@ -1341,7 +2119,7 @@
           <a:p>
             <a:fld id="{C19BF785-4DC3-344D-8740-1474A0E6638F}" type="datetimeFigureOut">
               <a:rPr lang="en-US" smtClean="0"/>
-              <a:t>3/15/18</a:t>
+              <a:t>3/16/18</a:t>
             </a:fld>
             <a:endParaRPr lang="en-US"/>
           </a:p>
@@ -1539,7 +2317,7 @@
           <a:p>
             <a:fld id="{C19BF785-4DC3-344D-8740-1474A0E6638F}" type="datetimeFigureOut">
               <a:rPr lang="en-US" smtClean="0"/>
-              <a:t>3/15/18</a:t>
+              <a:t>3/16/18</a:t>
             </a:fld>
             <a:endParaRPr lang="en-US"/>
           </a:p>
@@ -1814,7 +2592,7 @@
           <a:p>
             <a:fld id="{C19BF785-4DC3-344D-8740-1474A0E6638F}" type="datetimeFigureOut">
               <a:rPr lang="en-US" smtClean="0"/>
-              <a:t>3/15/18</a:t>
+              <a:t>3/16/18</a:t>
             </a:fld>
             <a:endParaRPr lang="en-US"/>
           </a:p>
@@ -2079,7 +2857,7 @@
           <a:p>
             <a:fld id="{C19BF785-4DC3-344D-8740-1474A0E6638F}" type="datetimeFigureOut">
               <a:rPr lang="en-US" smtClean="0"/>
-              <a:t>3/15/18</a:t>
+              <a:t>3/16/18</a:t>
             </a:fld>
             <a:endParaRPr lang="en-US"/>
           </a:p>
@@ -2491,7 +3269,7 @@
           <a:p>
             <a:fld id="{C19BF785-4DC3-344D-8740-1474A0E6638F}" type="datetimeFigureOut">
               <a:rPr lang="en-US" smtClean="0"/>
-              <a:t>3/15/18</a:t>
+              <a:t>3/16/18</a:t>
             </a:fld>
             <a:endParaRPr lang="en-US"/>
           </a:p>
@@ -2632,7 +3410,7 @@
           <a:p>
             <a:fld id="{C19BF785-4DC3-344D-8740-1474A0E6638F}" type="datetimeFigureOut">
               <a:rPr lang="en-US" smtClean="0"/>
-              <a:t>3/15/18</a:t>
+              <a:t>3/16/18</a:t>
             </a:fld>
             <a:endParaRPr lang="en-US"/>
           </a:p>
@@ -2745,7 +3523,7 @@
           <a:p>
             <a:fld id="{C19BF785-4DC3-344D-8740-1474A0E6638F}" type="datetimeFigureOut">
               <a:rPr lang="en-US" smtClean="0"/>
-              <a:t>3/15/18</a:t>
+              <a:t>3/16/18</a:t>
             </a:fld>
             <a:endParaRPr lang="en-US"/>
           </a:p>
@@ -3056,7 +3834,7 @@
           <a:p>
             <a:fld id="{C19BF785-4DC3-344D-8740-1474A0E6638F}" type="datetimeFigureOut">
               <a:rPr lang="en-US" smtClean="0"/>
-              <a:t>3/15/18</a:t>
+              <a:t>3/16/18</a:t>
             </a:fld>
             <a:endParaRPr lang="en-US"/>
           </a:p>
@@ -3344,7 +4122,7 @@
           <a:p>
             <a:fld id="{C19BF785-4DC3-344D-8740-1474A0E6638F}" type="datetimeFigureOut">
               <a:rPr lang="en-US" smtClean="0"/>
-              <a:t>3/15/18</a:t>
+              <a:t>3/16/18</a:t>
             </a:fld>
             <a:endParaRPr lang="en-US"/>
           </a:p>
@@ -3585,7 +4363,7 @@
           <a:p>
             <a:fld id="{C19BF785-4DC3-344D-8740-1474A0E6638F}" type="datetimeFigureOut">
               <a:rPr lang="en-US" smtClean="0"/>
-              <a:t>3/15/18</a:t>
+              <a:t>3/16/18</a:t>
             </a:fld>
             <a:endParaRPr lang="en-US"/>
           </a:p>
@@ -4361,7 +5139,12 @@
             <p:ph type="title"/>
           </p:nvPr>
         </p:nvSpPr>
-        <p:spPr/>
+        <p:spPr>
+          <a:xfrm>
+            <a:off x="838200" y="224450"/>
+            <a:ext cx="10515600" cy="591980"/>
+          </a:xfrm>
+        </p:spPr>
         <p:txBody>
           <a:bodyPr/>
           <a:lstStyle/>
@@ -4373,35 +5156,788 @@
           </a:p>
         </p:txBody>
       </p:sp>
-      <p:sp>
-        <p:nvSpPr>
-          <p:cNvPr id="3" name="Content Placeholder 2">
-            <a:extLst>
-              <a:ext uri="{FF2B5EF4-FFF2-40B4-BE49-F238E27FC236}">
-                <a16:creationId xmlns:a16="http://schemas.microsoft.com/office/drawing/2014/main" id="{8E68224E-1C43-F546-B7A6-11FDDDD4EE89}"/>
-              </a:ext>
-            </a:extLst>
-          </p:cNvPr>
-          <p:cNvSpPr>
-            <a:spLocks noGrp="1"/>
-          </p:cNvSpPr>
+      <p:pic>
+        <p:nvPicPr>
+          <p:cNvPr id="9" name="Content Placeholder 8">
+            <a:extLst>
+              <a:ext uri="{FF2B5EF4-FFF2-40B4-BE49-F238E27FC236}">
+                <a16:creationId xmlns:a16="http://schemas.microsoft.com/office/drawing/2014/main" id="{45C153B4-7AAC-4D4A-98DC-A14758FD9517}"/>
+              </a:ext>
+            </a:extLst>
+          </p:cNvPr>
+          <p:cNvPicPr>
+            <a:picLocks noGrp="1" noChangeAspect="1"/>
+          </p:cNvPicPr>
           <p:nvPr>
             <p:ph idx="1"/>
           </p:nvPr>
-        </p:nvSpPr>
-        <p:spPr/>
-        <p:txBody>
-          <a:bodyPr/>
-          <a:lstStyle/>
-          <a:p>
-            <a:endParaRPr lang="en-US" dirty="0"/>
-          </a:p>
-        </p:txBody>
-      </p:sp>
+        </p:nvPicPr>
+        <p:blipFill>
+          <a:blip r:embed="rId3"/>
+          <a:stretch>
+            <a:fillRect/>
+          </a:stretch>
+        </p:blipFill>
+        <p:spPr>
+          <a:xfrm>
+            <a:off x="137773" y="816430"/>
+            <a:ext cx="5212556" cy="2596696"/>
+          </a:xfrm>
+        </p:spPr>
+      </p:pic>
+      <p:pic>
+        <p:nvPicPr>
+          <p:cNvPr id="16" name="Picture 15">
+            <a:extLst>
+              <a:ext uri="{FF2B5EF4-FFF2-40B4-BE49-F238E27FC236}">
+                <a16:creationId xmlns:a16="http://schemas.microsoft.com/office/drawing/2014/main" id="{32B72DF9-FB12-6F4D-B029-5AD1BFF1CA4E}"/>
+              </a:ext>
+            </a:extLst>
+          </p:cNvPr>
+          <p:cNvPicPr>
+            <a:picLocks noChangeAspect="1"/>
+          </p:cNvPicPr>
+          <p:nvPr/>
+        </p:nvPicPr>
+        <p:blipFill>
+          <a:blip r:embed="rId4"/>
+          <a:stretch>
+            <a:fillRect/>
+          </a:stretch>
+        </p:blipFill>
+        <p:spPr>
+          <a:xfrm>
+            <a:off x="5131637" y="600916"/>
+            <a:ext cx="2999991" cy="2451360"/>
+          </a:xfrm>
+          <a:prstGeom prst="rect">
+            <a:avLst/>
+          </a:prstGeom>
+        </p:spPr>
+      </p:pic>
+      <p:pic>
+        <p:nvPicPr>
+          <p:cNvPr id="19" name="Picture 18">
+            <a:extLst>
+              <a:ext uri="{FF2B5EF4-FFF2-40B4-BE49-F238E27FC236}">
+                <a16:creationId xmlns:a16="http://schemas.microsoft.com/office/drawing/2014/main" id="{6D98AD3E-F31B-3444-860D-05D56AF6AC04}"/>
+              </a:ext>
+            </a:extLst>
+          </p:cNvPr>
+          <p:cNvPicPr>
+            <a:picLocks noChangeAspect="1"/>
+          </p:cNvPicPr>
+          <p:nvPr/>
+        </p:nvPicPr>
+        <p:blipFill>
+          <a:blip r:embed="rId5"/>
+          <a:stretch>
+            <a:fillRect/>
+          </a:stretch>
+        </p:blipFill>
+        <p:spPr>
+          <a:xfrm>
+            <a:off x="579139" y="3422813"/>
+            <a:ext cx="10461706" cy="3444874"/>
+          </a:xfrm>
+          <a:prstGeom prst="rect">
+            <a:avLst/>
+          </a:prstGeom>
+        </p:spPr>
+      </p:pic>
+      <p:pic>
+        <p:nvPicPr>
+          <p:cNvPr id="22" name="Picture 21">
+            <a:extLst>
+              <a:ext uri="{FF2B5EF4-FFF2-40B4-BE49-F238E27FC236}">
+                <a16:creationId xmlns:a16="http://schemas.microsoft.com/office/drawing/2014/main" id="{83DD5F74-570F-9040-ABC2-A286BBF329A3}"/>
+              </a:ext>
+            </a:extLst>
+          </p:cNvPr>
+          <p:cNvPicPr>
+            <a:picLocks noChangeAspect="1"/>
+          </p:cNvPicPr>
+          <p:nvPr/>
+        </p:nvPicPr>
+        <p:blipFill>
+          <a:blip r:embed="rId6"/>
+          <a:stretch>
+            <a:fillRect/>
+          </a:stretch>
+        </p:blipFill>
+        <p:spPr>
+          <a:xfrm>
+            <a:off x="8131628" y="422825"/>
+            <a:ext cx="3755571" cy="2784474"/>
+          </a:xfrm>
+          <a:prstGeom prst="rect">
+            <a:avLst/>
+          </a:prstGeom>
+        </p:spPr>
+      </p:pic>
     </p:spTree>
     <p:extLst>
       <p:ext uri="{BB962C8B-B14F-4D97-AF65-F5344CB8AC3E}">
         <p14:creationId xmlns:p14="http://schemas.microsoft.com/office/powerpoint/2010/main" val="72333177"/>
+      </p:ext>
+    </p:extLst>
+  </p:cSld>
+  <p:clrMapOvr>
+    <a:masterClrMapping/>
+  </p:clrMapOvr>
+</p:sld>
+</file>
+
+<file path=ppt/slides/slide12.xml><?xml version="1.0" encoding="utf-8"?>
+<p:sld xmlns:a="http://schemas.openxmlformats.org/drawingml/2006/main" xmlns:r="http://schemas.openxmlformats.org/officeDocument/2006/relationships" xmlns:p="http://schemas.openxmlformats.org/presentationml/2006/main">
+  <p:cSld>
+    <p:spTree>
+      <p:nvGrpSpPr>
+        <p:cNvPr id="1" name=""/>
+        <p:cNvGrpSpPr/>
+        <p:nvPr/>
+      </p:nvGrpSpPr>
+      <p:grpSpPr>
+        <a:xfrm>
+          <a:off x="0" y="0"/>
+          <a:ext cx="0" cy="0"/>
+          <a:chOff x="0" y="0"/>
+          <a:chExt cx="0" cy="0"/>
+        </a:xfrm>
+      </p:grpSpPr>
+      <p:sp>
+        <p:nvSpPr>
+          <p:cNvPr id="2" name="Title 1">
+            <a:extLst>
+              <a:ext uri="{FF2B5EF4-FFF2-40B4-BE49-F238E27FC236}">
+                <a16:creationId xmlns:a16="http://schemas.microsoft.com/office/drawing/2014/main" id="{C7671B56-6D7D-7E47-8858-AA3F419D0DC7}"/>
+              </a:ext>
+            </a:extLst>
+          </p:cNvPr>
+          <p:cNvSpPr>
+            <a:spLocks noGrp="1"/>
+          </p:cNvSpPr>
+          <p:nvPr>
+            <p:ph type="title"/>
+          </p:nvPr>
+        </p:nvSpPr>
+        <p:spPr>
+          <a:xfrm>
+            <a:off x="675249" y="224450"/>
+            <a:ext cx="10678551" cy="608308"/>
+          </a:xfrm>
+        </p:spPr>
+        <p:txBody>
+          <a:bodyPr>
+            <a:normAutofit fontScale="90000"/>
+          </a:bodyPr>
+          <a:lstStyle/>
+          <a:p>
+            <a:r>
+              <a:rPr lang="en-US" dirty="0"/>
+              <a:t>Moving Averages for AAPL:</a:t>
+            </a:r>
+            <a:br>
+              <a:rPr lang="en-US" dirty="0"/>
+            </a:br>
+            <a:endParaRPr lang="en-US" dirty="0"/>
+          </a:p>
+        </p:txBody>
+      </p:sp>
+      <p:pic>
+        <p:nvPicPr>
+          <p:cNvPr id="5" name="Content Placeholder 4">
+            <a:extLst>
+              <a:ext uri="{FF2B5EF4-FFF2-40B4-BE49-F238E27FC236}">
+                <a16:creationId xmlns:a16="http://schemas.microsoft.com/office/drawing/2014/main" id="{53268AAC-158C-F045-9744-7D0900ED78F3}"/>
+              </a:ext>
+            </a:extLst>
+          </p:cNvPr>
+          <p:cNvPicPr>
+            <a:picLocks noGrp="1" noChangeAspect="1"/>
+          </p:cNvPicPr>
+          <p:nvPr>
+            <p:ph idx="1"/>
+          </p:nvPr>
+        </p:nvPicPr>
+        <p:blipFill>
+          <a:blip r:embed="rId3"/>
+          <a:stretch>
+            <a:fillRect/>
+          </a:stretch>
+        </p:blipFill>
+        <p:spPr>
+          <a:xfrm>
+            <a:off x="675249" y="3524250"/>
+            <a:ext cx="8599379" cy="3333750"/>
+          </a:xfrm>
+        </p:spPr>
+      </p:pic>
+      <p:pic>
+        <p:nvPicPr>
+          <p:cNvPr id="8" name="Picture 7">
+            <a:extLst>
+              <a:ext uri="{FF2B5EF4-FFF2-40B4-BE49-F238E27FC236}">
+                <a16:creationId xmlns:a16="http://schemas.microsoft.com/office/drawing/2014/main" id="{3273D63B-6909-CA47-9F89-E1FF295733BC}"/>
+              </a:ext>
+            </a:extLst>
+          </p:cNvPr>
+          <p:cNvPicPr>
+            <a:picLocks noChangeAspect="1"/>
+          </p:cNvPicPr>
+          <p:nvPr/>
+        </p:nvPicPr>
+        <p:blipFill>
+          <a:blip r:embed="rId4"/>
+          <a:stretch>
+            <a:fillRect/>
+          </a:stretch>
+        </p:blipFill>
+        <p:spPr>
+          <a:xfrm>
+            <a:off x="335809" y="898319"/>
+            <a:ext cx="9281720" cy="2660242"/>
+          </a:xfrm>
+          <a:prstGeom prst="rect">
+            <a:avLst/>
+          </a:prstGeom>
+        </p:spPr>
+      </p:pic>
+    </p:spTree>
+    <p:extLst>
+      <p:ext uri="{BB962C8B-B14F-4D97-AF65-F5344CB8AC3E}">
+        <p14:creationId xmlns:p14="http://schemas.microsoft.com/office/powerpoint/2010/main" val="4110577423"/>
+      </p:ext>
+    </p:extLst>
+  </p:cSld>
+  <p:clrMapOvr>
+    <a:masterClrMapping/>
+  </p:clrMapOvr>
+</p:sld>
+</file>
+
+<file path=ppt/slides/slide13.xml><?xml version="1.0" encoding="utf-8"?>
+<p:sld xmlns:a="http://schemas.openxmlformats.org/drawingml/2006/main" xmlns:r="http://schemas.openxmlformats.org/officeDocument/2006/relationships" xmlns:p="http://schemas.openxmlformats.org/presentationml/2006/main">
+  <p:cSld>
+    <p:spTree>
+      <p:nvGrpSpPr>
+        <p:cNvPr id="1" name=""/>
+        <p:cNvGrpSpPr/>
+        <p:nvPr/>
+      </p:nvGrpSpPr>
+      <p:grpSpPr>
+        <a:xfrm>
+          <a:off x="0" y="0"/>
+          <a:ext cx="0" cy="0"/>
+          <a:chOff x="0" y="0"/>
+          <a:chExt cx="0" cy="0"/>
+        </a:xfrm>
+      </p:grpSpPr>
+      <p:sp>
+        <p:nvSpPr>
+          <p:cNvPr id="2" name="Title 1">
+            <a:extLst>
+              <a:ext uri="{FF2B5EF4-FFF2-40B4-BE49-F238E27FC236}">
+                <a16:creationId xmlns:a16="http://schemas.microsoft.com/office/drawing/2014/main" id="{F8A60C8D-6025-3244-B117-D7BBA6C4B6C6}"/>
+              </a:ext>
+            </a:extLst>
+          </p:cNvPr>
+          <p:cNvSpPr>
+            <a:spLocks noGrp="1"/>
+          </p:cNvSpPr>
+          <p:nvPr>
+            <p:ph type="title"/>
+          </p:nvPr>
+        </p:nvSpPr>
+        <p:spPr/>
+        <p:txBody>
+          <a:bodyPr/>
+          <a:lstStyle/>
+          <a:p>
+            <a:r>
+              <a:rPr lang="en-US" dirty="0"/>
+              <a:t>Comparison of AAPL </a:t>
+            </a:r>
+          </a:p>
+        </p:txBody>
+      </p:sp>
+      <p:pic>
+        <p:nvPicPr>
+          <p:cNvPr id="5" name="Content Placeholder 4">
+            <a:extLst>
+              <a:ext uri="{FF2B5EF4-FFF2-40B4-BE49-F238E27FC236}">
+                <a16:creationId xmlns:a16="http://schemas.microsoft.com/office/drawing/2014/main" id="{38D4BB67-7C8A-9B4F-9DCA-9662E5415B6C}"/>
+              </a:ext>
+            </a:extLst>
+          </p:cNvPr>
+          <p:cNvPicPr>
+            <a:picLocks noGrp="1" noChangeAspect="1"/>
+          </p:cNvPicPr>
+          <p:nvPr>
+            <p:ph idx="1"/>
+          </p:nvPr>
+        </p:nvPicPr>
+        <p:blipFill>
+          <a:blip r:embed="rId3"/>
+          <a:stretch>
+            <a:fillRect/>
+          </a:stretch>
+        </p:blipFill>
+        <p:spPr>
+          <a:xfrm>
+            <a:off x="1370767" y="3452130"/>
+            <a:ext cx="5911776" cy="3323116"/>
+          </a:xfrm>
+        </p:spPr>
+      </p:pic>
+      <p:sp>
+        <p:nvSpPr>
+          <p:cNvPr id="7" name="TextBox 6">
+            <a:extLst>
+              <a:ext uri="{FF2B5EF4-FFF2-40B4-BE49-F238E27FC236}">
+                <a16:creationId xmlns:a16="http://schemas.microsoft.com/office/drawing/2014/main" id="{F26A8E6B-1268-DE44-873B-A3E9B7BABFD8}"/>
+              </a:ext>
+            </a:extLst>
+          </p:cNvPr>
+          <p:cNvSpPr txBox="1"/>
+          <p:nvPr/>
+        </p:nvSpPr>
+        <p:spPr>
+          <a:xfrm>
+            <a:off x="7098883" y="3634314"/>
+            <a:ext cx="3624942" cy="400110"/>
+          </a:xfrm>
+          <a:prstGeom prst="rect">
+            <a:avLst/>
+          </a:prstGeom>
+          <a:noFill/>
+        </p:spPr>
+        <p:txBody>
+          <a:bodyPr wrap="square" rtlCol="0">
+            <a:spAutoFit/>
+          </a:bodyPr>
+          <a:lstStyle/>
+          <a:p>
+            <a:r>
+              <a:rPr lang="en-US" sz="2000" b="1" dirty="0">
+                <a:sym typeface="Wingdings" pitchFamily="2" charset="2"/>
+              </a:rPr>
+              <a:t> </a:t>
+            </a:r>
+            <a:r>
+              <a:rPr lang="en-US" sz="2000" b="1" dirty="0"/>
+              <a:t>AAPL Data for Jan, 2018</a:t>
+            </a:r>
+          </a:p>
+        </p:txBody>
+      </p:sp>
+      <p:pic>
+        <p:nvPicPr>
+          <p:cNvPr id="9" name="Picture 8">
+            <a:extLst>
+              <a:ext uri="{FF2B5EF4-FFF2-40B4-BE49-F238E27FC236}">
+                <a16:creationId xmlns:a16="http://schemas.microsoft.com/office/drawing/2014/main" id="{A559A51B-7D21-C540-8E6E-9C950D963873}"/>
+              </a:ext>
+            </a:extLst>
+          </p:cNvPr>
+          <p:cNvPicPr>
+            <a:picLocks noChangeAspect="1"/>
+          </p:cNvPicPr>
+          <p:nvPr/>
+        </p:nvPicPr>
+        <p:blipFill>
+          <a:blip r:embed="rId4"/>
+          <a:stretch>
+            <a:fillRect/>
+          </a:stretch>
+        </p:blipFill>
+        <p:spPr>
+          <a:xfrm>
+            <a:off x="0" y="634216"/>
+            <a:ext cx="9255653" cy="2652771"/>
+          </a:xfrm>
+          <a:prstGeom prst="rect">
+            <a:avLst/>
+          </a:prstGeom>
+        </p:spPr>
+      </p:pic>
+      <p:sp>
+        <p:nvSpPr>
+          <p:cNvPr id="11" name="TextBox 10">
+            <a:extLst>
+              <a:ext uri="{FF2B5EF4-FFF2-40B4-BE49-F238E27FC236}">
+                <a16:creationId xmlns:a16="http://schemas.microsoft.com/office/drawing/2014/main" id="{1A41824F-9A33-9F40-B874-27E0689EC732}"/>
+              </a:ext>
+            </a:extLst>
+          </p:cNvPr>
+          <p:cNvSpPr txBox="1"/>
+          <p:nvPr/>
+        </p:nvSpPr>
+        <p:spPr>
+          <a:xfrm>
+            <a:off x="9255652" y="1616528"/>
+            <a:ext cx="2936347" cy="369332"/>
+          </a:xfrm>
+          <a:prstGeom prst="rect">
+            <a:avLst/>
+          </a:prstGeom>
+          <a:noFill/>
+        </p:spPr>
+        <p:txBody>
+          <a:bodyPr wrap="square" rtlCol="0">
+            <a:spAutoFit/>
+          </a:bodyPr>
+          <a:lstStyle/>
+          <a:p>
+            <a:r>
+              <a:rPr lang="en-US" b="1" dirty="0">
+                <a:sym typeface="Wingdings" pitchFamily="2" charset="2"/>
+              </a:rPr>
+              <a:t> </a:t>
+            </a:r>
+            <a:r>
+              <a:rPr lang="en-US" b="1" dirty="0"/>
+              <a:t>AAPL Data  for  Jan,2018</a:t>
+            </a:r>
+            <a:endParaRPr lang="en-US" dirty="0"/>
+          </a:p>
+        </p:txBody>
+      </p:sp>
+      <p:sp>
+        <p:nvSpPr>
+          <p:cNvPr id="12" name="TextBox 11">
+            <a:extLst>
+              <a:ext uri="{FF2B5EF4-FFF2-40B4-BE49-F238E27FC236}">
+                <a16:creationId xmlns:a16="http://schemas.microsoft.com/office/drawing/2014/main" id="{BC6F9BE5-18CA-6843-815C-A8A7CBBF502D}"/>
+              </a:ext>
+            </a:extLst>
+          </p:cNvPr>
+          <p:cNvSpPr txBox="1"/>
+          <p:nvPr/>
+        </p:nvSpPr>
+        <p:spPr>
+          <a:xfrm>
+            <a:off x="7282543" y="4381394"/>
+            <a:ext cx="4071257" cy="1938992"/>
+          </a:xfrm>
+          <a:prstGeom prst="rect">
+            <a:avLst/>
+          </a:prstGeom>
+          <a:noFill/>
+        </p:spPr>
+        <p:txBody>
+          <a:bodyPr wrap="square" rtlCol="0">
+            <a:spAutoFit/>
+          </a:bodyPr>
+          <a:lstStyle/>
+          <a:p>
+            <a:r>
+              <a:rPr lang="en-US" sz="2000" b="1" dirty="0"/>
+              <a:t>Conclusion: </a:t>
+            </a:r>
+          </a:p>
+          <a:p>
+            <a:r>
+              <a:rPr lang="en-US" sz="2000" b="1" dirty="0"/>
+              <a:t>10-day and 20-day MA  shows,</a:t>
+            </a:r>
+          </a:p>
+          <a:p>
+            <a:r>
+              <a:rPr lang="en-US" sz="2000" b="1" dirty="0"/>
+              <a:t>The Predicted price is very close to the Actual closing price of AAPL</a:t>
+            </a:r>
+          </a:p>
+          <a:p>
+            <a:r>
+              <a:rPr lang="en-US" sz="2000" b="1" dirty="0"/>
+              <a:t>Check:</a:t>
+            </a:r>
+          </a:p>
+          <a:p>
+            <a:endParaRPr lang="en-US" sz="2000" b="1" dirty="0"/>
+          </a:p>
+        </p:txBody>
+      </p:sp>
+    </p:spTree>
+    <p:extLst>
+      <p:ext uri="{BB962C8B-B14F-4D97-AF65-F5344CB8AC3E}">
+        <p14:creationId xmlns:p14="http://schemas.microsoft.com/office/powerpoint/2010/main" val="65976081"/>
+      </p:ext>
+    </p:extLst>
+  </p:cSld>
+  <p:clrMapOvr>
+    <a:masterClrMapping/>
+  </p:clrMapOvr>
+</p:sld>
+</file>
+
+<file path=ppt/slides/slide14.xml><?xml version="1.0" encoding="utf-8"?>
+<p:sld xmlns:a="http://schemas.openxmlformats.org/drawingml/2006/main" xmlns:r="http://schemas.openxmlformats.org/officeDocument/2006/relationships" xmlns:p="http://schemas.openxmlformats.org/presentationml/2006/main">
+  <p:cSld>
+    <p:spTree>
+      <p:nvGrpSpPr>
+        <p:cNvPr id="1" name=""/>
+        <p:cNvGrpSpPr/>
+        <p:nvPr/>
+      </p:nvGrpSpPr>
+      <p:grpSpPr>
+        <a:xfrm>
+          <a:off x="0" y="0"/>
+          <a:ext cx="0" cy="0"/>
+          <a:chOff x="0" y="0"/>
+          <a:chExt cx="0" cy="0"/>
+        </a:xfrm>
+      </p:grpSpPr>
+      <p:sp>
+        <p:nvSpPr>
+          <p:cNvPr id="2" name="Title 1">
+            <a:extLst>
+              <a:ext uri="{FF2B5EF4-FFF2-40B4-BE49-F238E27FC236}">
+                <a16:creationId xmlns:a16="http://schemas.microsoft.com/office/drawing/2014/main" id="{75026795-B033-4C43-93D8-F90413930938}"/>
+              </a:ext>
+            </a:extLst>
+          </p:cNvPr>
+          <p:cNvSpPr>
+            <a:spLocks noGrp="1"/>
+          </p:cNvSpPr>
+          <p:nvPr>
+            <p:ph type="title"/>
+          </p:nvPr>
+        </p:nvSpPr>
+        <p:spPr/>
+        <p:txBody>
+          <a:bodyPr/>
+          <a:lstStyle/>
+          <a:p>
+            <a:r>
+              <a:rPr lang="en-US" dirty="0"/>
+              <a:t>Conclusion:</a:t>
+            </a:r>
+          </a:p>
+        </p:txBody>
+      </p:sp>
+      <p:sp>
+        <p:nvSpPr>
+          <p:cNvPr id="3" name="Content Placeholder 2">
+            <a:extLst>
+              <a:ext uri="{FF2B5EF4-FFF2-40B4-BE49-F238E27FC236}">
+                <a16:creationId xmlns:a16="http://schemas.microsoft.com/office/drawing/2014/main" id="{B9EC6879-65A8-0740-9AA4-2E974B27EF68}"/>
+              </a:ext>
+            </a:extLst>
+          </p:cNvPr>
+          <p:cNvSpPr>
+            <a:spLocks noGrp="1"/>
+          </p:cNvSpPr>
+          <p:nvPr>
+            <p:ph idx="1"/>
+          </p:nvPr>
+        </p:nvSpPr>
+        <p:spPr>
+          <a:xfrm>
+            <a:off x="675249" y="1252025"/>
+            <a:ext cx="11516751" cy="4924938"/>
+          </a:xfrm>
+        </p:spPr>
+        <p:txBody>
+          <a:bodyPr/>
+          <a:lstStyle/>
+          <a:p>
+            <a:pPr marL="0" indent="0">
+              <a:buNone/>
+            </a:pPr>
+            <a:r>
+              <a:rPr lang="en-US" dirty="0"/>
+              <a:t>Our Hypothesis: Future stock prices can be predicted from past performance</a:t>
+            </a:r>
+          </a:p>
+          <a:p>
+            <a:pPr marL="0" indent="0">
+              <a:buNone/>
+            </a:pPr>
+            <a:r>
+              <a:rPr lang="en-US" dirty="0"/>
+              <a:t>is True.</a:t>
+            </a:r>
+          </a:p>
+          <a:p>
+            <a:pPr marL="0" indent="0">
+              <a:buNone/>
+            </a:pPr>
+            <a:endParaRPr lang="en-US" dirty="0"/>
+          </a:p>
+          <a:p>
+            <a:pPr marL="0" indent="0">
+              <a:buNone/>
+            </a:pPr>
+            <a:endParaRPr lang="en-US" dirty="0"/>
+          </a:p>
+        </p:txBody>
+      </p:sp>
+    </p:spTree>
+    <p:extLst>
+      <p:ext uri="{BB962C8B-B14F-4D97-AF65-F5344CB8AC3E}">
+        <p14:creationId xmlns:p14="http://schemas.microsoft.com/office/powerpoint/2010/main" val="2212342035"/>
+      </p:ext>
+    </p:extLst>
+  </p:cSld>
+  <p:clrMapOvr>
+    <a:masterClrMapping/>
+  </p:clrMapOvr>
+</p:sld>
+</file>
+
+<file path=ppt/slides/slide15.xml><?xml version="1.0" encoding="utf-8"?>
+<p:sld xmlns:a="http://schemas.openxmlformats.org/drawingml/2006/main" xmlns:r="http://schemas.openxmlformats.org/officeDocument/2006/relationships" xmlns:p="http://schemas.openxmlformats.org/presentationml/2006/main">
+  <p:cSld>
+    <p:spTree>
+      <p:nvGrpSpPr>
+        <p:cNvPr id="1" name=""/>
+        <p:cNvGrpSpPr/>
+        <p:nvPr/>
+      </p:nvGrpSpPr>
+      <p:grpSpPr>
+        <a:xfrm>
+          <a:off x="0" y="0"/>
+          <a:ext cx="0" cy="0"/>
+          <a:chOff x="0" y="0"/>
+          <a:chExt cx="0" cy="0"/>
+        </a:xfrm>
+      </p:grpSpPr>
+      <p:sp>
+        <p:nvSpPr>
+          <p:cNvPr id="2" name="Title 1">
+            <a:extLst>
+              <a:ext uri="{FF2B5EF4-FFF2-40B4-BE49-F238E27FC236}">
+                <a16:creationId xmlns:a16="http://schemas.microsoft.com/office/drawing/2014/main" id="{CDA69DC8-EE6F-AF42-AFA3-835100F7B3F6}"/>
+              </a:ext>
+            </a:extLst>
+          </p:cNvPr>
+          <p:cNvSpPr>
+            <a:spLocks noGrp="1"/>
+          </p:cNvSpPr>
+          <p:nvPr>
+            <p:ph type="title"/>
+          </p:nvPr>
+        </p:nvSpPr>
+        <p:spPr/>
+        <p:txBody>
+          <a:bodyPr/>
+          <a:lstStyle/>
+          <a:p>
+            <a:endParaRPr lang="en-US" dirty="0"/>
+          </a:p>
+        </p:txBody>
+      </p:sp>
+      <p:sp>
+        <p:nvSpPr>
+          <p:cNvPr id="3" name="Content Placeholder 2">
+            <a:extLst>
+              <a:ext uri="{FF2B5EF4-FFF2-40B4-BE49-F238E27FC236}">
+                <a16:creationId xmlns:a16="http://schemas.microsoft.com/office/drawing/2014/main" id="{2C31C9F5-BC51-6344-BAD3-D73CFB9F4969}"/>
+              </a:ext>
+            </a:extLst>
+          </p:cNvPr>
+          <p:cNvSpPr>
+            <a:spLocks noGrp="1"/>
+          </p:cNvSpPr>
+          <p:nvPr>
+            <p:ph idx="1"/>
+          </p:nvPr>
+        </p:nvSpPr>
+        <p:spPr/>
+        <p:txBody>
+          <a:bodyPr/>
+          <a:lstStyle/>
+          <a:p>
+            <a:endParaRPr lang="en-US"/>
+          </a:p>
+        </p:txBody>
+      </p:sp>
+    </p:spTree>
+    <p:extLst>
+      <p:ext uri="{BB962C8B-B14F-4D97-AF65-F5344CB8AC3E}">
+        <p14:creationId xmlns:p14="http://schemas.microsoft.com/office/powerpoint/2010/main" val="18629655"/>
+      </p:ext>
+    </p:extLst>
+  </p:cSld>
+  <p:clrMapOvr>
+    <a:masterClrMapping/>
+  </p:clrMapOvr>
+</p:sld>
+</file>
+
+<file path=ppt/slides/slide16.xml><?xml version="1.0" encoding="utf-8"?>
+<p:sld xmlns:a="http://schemas.openxmlformats.org/drawingml/2006/main" xmlns:r="http://schemas.openxmlformats.org/officeDocument/2006/relationships" xmlns:p="http://schemas.openxmlformats.org/presentationml/2006/main">
+  <p:cSld>
+    <p:spTree>
+      <p:nvGrpSpPr>
+        <p:cNvPr id="1" name=""/>
+        <p:cNvGrpSpPr/>
+        <p:nvPr/>
+      </p:nvGrpSpPr>
+      <p:grpSpPr>
+        <a:xfrm>
+          <a:off x="0" y="0"/>
+          <a:ext cx="0" cy="0"/>
+          <a:chOff x="0" y="0"/>
+          <a:chExt cx="0" cy="0"/>
+        </a:xfrm>
+      </p:grpSpPr>
+      <p:sp>
+        <p:nvSpPr>
+          <p:cNvPr id="2" name="Title 1">
+            <a:extLst>
+              <a:ext uri="{FF2B5EF4-FFF2-40B4-BE49-F238E27FC236}">
+                <a16:creationId xmlns:a16="http://schemas.microsoft.com/office/drawing/2014/main" id="{CDA69DC8-EE6F-AF42-AFA3-835100F7B3F6}"/>
+              </a:ext>
+            </a:extLst>
+          </p:cNvPr>
+          <p:cNvSpPr>
+            <a:spLocks noGrp="1"/>
+          </p:cNvSpPr>
+          <p:nvPr>
+            <p:ph type="title"/>
+          </p:nvPr>
+        </p:nvSpPr>
+        <p:spPr/>
+        <p:txBody>
+          <a:bodyPr/>
+          <a:lstStyle/>
+          <a:p>
+            <a:endParaRPr lang="en-US" dirty="0"/>
+          </a:p>
+        </p:txBody>
+      </p:sp>
+      <p:sp>
+        <p:nvSpPr>
+          <p:cNvPr id="3" name="Content Placeholder 2">
+            <a:extLst>
+              <a:ext uri="{FF2B5EF4-FFF2-40B4-BE49-F238E27FC236}">
+                <a16:creationId xmlns:a16="http://schemas.microsoft.com/office/drawing/2014/main" id="{2C31C9F5-BC51-6344-BAD3-D73CFB9F4969}"/>
+              </a:ext>
+            </a:extLst>
+          </p:cNvPr>
+          <p:cNvSpPr>
+            <a:spLocks noGrp="1"/>
+          </p:cNvSpPr>
+          <p:nvPr>
+            <p:ph idx="1"/>
+          </p:nvPr>
+        </p:nvSpPr>
+        <p:spPr/>
+        <p:txBody>
+          <a:bodyPr/>
+          <a:lstStyle/>
+          <a:p>
+            <a:endParaRPr lang="en-US" dirty="0"/>
+          </a:p>
+        </p:txBody>
+      </p:sp>
+    </p:spTree>
+    <p:extLst>
+      <p:ext uri="{BB962C8B-B14F-4D97-AF65-F5344CB8AC3E}">
+        <p14:creationId xmlns:p14="http://schemas.microsoft.com/office/powerpoint/2010/main" val="848316711"/>
       </p:ext>
     </p:extLst>
   </p:cSld>
@@ -4782,6 +6318,13 @@
             <a:r>
               <a:rPr lang="en-US" dirty="0"/>
               <a:t>Morningstar data was working fine, but was not in the form that we wanted. </a:t>
+            </a:r>
+          </a:p>
+          <a:p>
+            <a:pPr lvl="1"/>
+            <a:r>
+              <a:rPr lang="en-US" dirty="0"/>
+              <a:t>Not able to retrieve data from Google finance on last minute, a day before the presentation.</a:t>
             </a:r>
           </a:p>
           <a:p>
@@ -5307,8 +6850,8 @@
         </p:nvSpPr>
         <p:spPr>
           <a:xfrm>
-            <a:off x="1563272" y="109084"/>
-            <a:ext cx="9234268" cy="569622"/>
+            <a:off x="1327355" y="109083"/>
+            <a:ext cx="9470185" cy="646977"/>
           </a:xfrm>
         </p:spPr>
         <p:txBody>
@@ -5319,7 +6862,15 @@
           <a:p>
             <a:r>
               <a:rPr lang="en-US" sz="3200" b="1" dirty="0"/>
-              <a:t>Correlation matrix of all stocks on "Close" prices:</a:t>
+              <a:t>Correlation–</a:t>
+            </a:r>
+            <a:r>
+              <a:rPr lang="en-US" dirty="0"/>
+              <a:t>coefficient table of </a:t>
+            </a:r>
+            <a:r>
+              <a:rPr lang="en-US" sz="3200" b="1" dirty="0"/>
+              <a:t>closing price for all stocks:</a:t>
             </a:r>
             <a:br>
               <a:rPr lang="en-US" b="1" dirty="0"/>
@@ -5343,33 +6894,6 @@
           <p:nvPr>
             <p:ph idx="1"/>
           </p:nvPr>
-        </p:nvPicPr>
-        <p:blipFill>
-          <a:blip r:embed="rId2"/>
-          <a:stretch>
-            <a:fillRect/>
-          </a:stretch>
-        </p:blipFill>
-        <p:spPr>
-          <a:xfrm>
-            <a:off x="534572" y="1676621"/>
-            <a:ext cx="4762123" cy="2332672"/>
-          </a:xfrm>
-        </p:spPr>
-      </p:pic>
-      <p:pic>
-        <p:nvPicPr>
-          <p:cNvPr id="11" name="Picture 10">
-            <a:extLst>
-              <a:ext uri="{FF2B5EF4-FFF2-40B4-BE49-F238E27FC236}">
-                <a16:creationId xmlns:a16="http://schemas.microsoft.com/office/drawing/2014/main" id="{9DC80C8A-E92F-B949-91C3-A994D51492FA}"/>
-              </a:ext>
-            </a:extLst>
-          </p:cNvPr>
-          <p:cNvPicPr>
-            <a:picLocks noChangeAspect="1"/>
-          </p:cNvPicPr>
-          <p:nvPr/>
         </p:nvPicPr>
         <p:blipFill>
           <a:blip r:embed="rId3"/>
@@ -5379,8 +6903,114 @@
         </p:blipFill>
         <p:spPr>
           <a:xfrm>
-            <a:off x="5465508" y="678706"/>
-            <a:ext cx="6017306" cy="6017306"/>
+            <a:off x="475578" y="1130931"/>
+            <a:ext cx="4762123" cy="2332672"/>
+          </a:xfrm>
+        </p:spPr>
+      </p:pic>
+      <p:sp>
+        <p:nvSpPr>
+          <p:cNvPr id="3" name="TextBox 2">
+            <a:extLst>
+              <a:ext uri="{FF2B5EF4-FFF2-40B4-BE49-F238E27FC236}">
+                <a16:creationId xmlns:a16="http://schemas.microsoft.com/office/drawing/2014/main" id="{BDCE2EEB-F616-0D47-A162-CD3A2B4EE6B3}"/>
+              </a:ext>
+            </a:extLst>
+          </p:cNvPr>
+          <p:cNvSpPr txBox="1"/>
+          <p:nvPr/>
+        </p:nvSpPr>
+        <p:spPr>
+          <a:xfrm>
+            <a:off x="156089" y="3805083"/>
+            <a:ext cx="5383161" cy="2031325"/>
+          </a:xfrm>
+          <a:prstGeom prst="rect">
+            <a:avLst/>
+          </a:prstGeom>
+          <a:noFill/>
+        </p:spPr>
+        <p:txBody>
+          <a:bodyPr wrap="square" rtlCol="0">
+            <a:spAutoFit/>
+          </a:bodyPr>
+          <a:lstStyle/>
+          <a:p>
+            <a:pPr marL="285750" indent="-285750">
+              <a:buFont typeface="Arial" panose="020B0604020202020204" pitchFamily="34" charset="0"/>
+              <a:buChar char="•"/>
+            </a:pPr>
+            <a:r>
+              <a:rPr lang="en-US" dirty="0"/>
+              <a:t>All tech-stocks are strongly correlated to each other.</a:t>
+            </a:r>
+          </a:p>
+          <a:p>
+            <a:pPr marL="285750" indent="-285750">
+              <a:buFont typeface="Arial" panose="020B0604020202020204" pitchFamily="34" charset="0"/>
+              <a:buChar char="•"/>
+            </a:pPr>
+            <a:endParaRPr lang="en-US" dirty="0"/>
+          </a:p>
+          <a:p>
+            <a:pPr marL="285750" indent="-285750">
+              <a:buFont typeface="Arial" panose="020B0604020202020204" pitchFamily="34" charset="0"/>
+              <a:buChar char="•"/>
+            </a:pPr>
+            <a:r>
+              <a:rPr lang="en-US" dirty="0"/>
+              <a:t>Gold(GLD) is relatively weakly correlated.</a:t>
+            </a:r>
+          </a:p>
+          <a:p>
+            <a:r>
+              <a:rPr lang="en-US" dirty="0"/>
+              <a:t>      ( Check out the table above and the next slid)</a:t>
+            </a:r>
+          </a:p>
+          <a:p>
+            <a:pPr marL="285750" indent="-285750">
+              <a:buFont typeface="Arial" panose="020B0604020202020204" pitchFamily="34" charset="0"/>
+              <a:buChar char="•"/>
+            </a:pPr>
+            <a:endParaRPr lang="en-US" dirty="0"/>
+          </a:p>
+          <a:p>
+            <a:pPr marL="285750" indent="-285750">
+              <a:buFont typeface="Arial" panose="020B0604020202020204" pitchFamily="34" charset="0"/>
+              <a:buChar char="•"/>
+            </a:pPr>
+            <a:r>
+              <a:rPr lang="en-US" dirty="0"/>
+              <a:t>Hence GLD stock is one of the recommendations to have diversified well balanced portfolio.</a:t>
+            </a:r>
+          </a:p>
+        </p:txBody>
+      </p:sp>
+      <p:pic>
+        <p:nvPicPr>
+          <p:cNvPr id="7" name="Picture 6">
+            <a:extLst>
+              <a:ext uri="{FF2B5EF4-FFF2-40B4-BE49-F238E27FC236}">
+                <a16:creationId xmlns:a16="http://schemas.microsoft.com/office/drawing/2014/main" id="{BC5F7DE9-64B1-B547-8EE7-86BF262B55EB}"/>
+              </a:ext>
+            </a:extLst>
+          </p:cNvPr>
+          <p:cNvPicPr>
+            <a:picLocks noChangeAspect="1"/>
+          </p:cNvPicPr>
+          <p:nvPr/>
+        </p:nvPicPr>
+        <p:blipFill>
+          <a:blip r:embed="rId4"/>
+          <a:stretch>
+            <a:fillRect/>
+          </a:stretch>
+        </p:blipFill>
+        <p:spPr>
+          <a:xfrm>
+            <a:off x="5403522" y="221226"/>
+            <a:ext cx="6448560" cy="5957375"/>
           </a:xfrm>
           <a:prstGeom prst="rect">
             <a:avLst/>
@@ -5447,7 +7077,15 @@
           <a:p>
             <a:r>
               <a:rPr lang="en-US" sz="2800" b="1" dirty="0"/>
-              <a:t>Correlation and correlation coefficient matrix for stocks:</a:t>
+              <a:t>Correlation and </a:t>
+            </a:r>
+            <a:r>
+              <a:rPr lang="en-US" sz="2800" dirty="0"/>
+              <a:t>Correlation -coefficient </a:t>
+            </a:r>
+            <a:r>
+              <a:rPr lang="en-US" sz="2800" b="1" dirty="0"/>
+              <a:t>matrix for stocks:</a:t>
             </a:r>
           </a:p>
         </p:txBody>
@@ -5467,33 +7105,6 @@
           <p:nvPr>
             <p:ph idx="1"/>
           </p:nvPr>
-        </p:nvPicPr>
-        <p:blipFill>
-          <a:blip r:embed="rId2"/>
-          <a:stretch>
-            <a:fillRect/>
-          </a:stretch>
-        </p:blipFill>
-        <p:spPr>
-          <a:xfrm>
-            <a:off x="6459420" y="1552099"/>
-            <a:ext cx="5287102" cy="4555367"/>
-          </a:xfrm>
-        </p:spPr>
-      </p:pic>
-      <p:pic>
-        <p:nvPicPr>
-          <p:cNvPr id="8" name="Picture 7">
-            <a:extLst>
-              <a:ext uri="{FF2B5EF4-FFF2-40B4-BE49-F238E27FC236}">
-                <a16:creationId xmlns:a16="http://schemas.microsoft.com/office/drawing/2014/main" id="{925043A8-F9BF-704C-AC89-B3F66AE75197}"/>
-              </a:ext>
-            </a:extLst>
-          </p:cNvPr>
-          <p:cNvPicPr>
-            <a:picLocks noChangeAspect="1"/>
-          </p:cNvPicPr>
-          <p:nvPr/>
         </p:nvPicPr>
         <p:blipFill>
           <a:blip r:embed="rId3"/>
@@ -5503,14 +7114,146 @@
         </p:blipFill>
         <p:spPr>
           <a:xfrm>
-            <a:off x="119495" y="787791"/>
-            <a:ext cx="6448560" cy="5957375"/>
+            <a:off x="501072" y="1563950"/>
+            <a:ext cx="5287102" cy="4555367"/>
+          </a:xfrm>
+        </p:spPr>
+      </p:pic>
+      <p:sp>
+        <p:nvSpPr>
+          <p:cNvPr id="3" name="TextBox 2">
+            <a:extLst>
+              <a:ext uri="{FF2B5EF4-FFF2-40B4-BE49-F238E27FC236}">
+                <a16:creationId xmlns:a16="http://schemas.microsoft.com/office/drawing/2014/main" id="{F8297A98-6D0A-B849-AC14-03F925ED27B9}"/>
+              </a:ext>
+            </a:extLst>
+          </p:cNvPr>
+          <p:cNvSpPr txBox="1"/>
+          <p:nvPr/>
+        </p:nvSpPr>
+        <p:spPr>
+          <a:xfrm>
+            <a:off x="1519084" y="1022521"/>
+            <a:ext cx="2993922" cy="369332"/>
+          </a:xfrm>
+          <a:prstGeom prst="rect">
+            <a:avLst/>
+          </a:prstGeom>
+          <a:noFill/>
+        </p:spPr>
+        <p:txBody>
+          <a:bodyPr wrap="square" rtlCol="0">
+            <a:spAutoFit/>
+          </a:bodyPr>
+          <a:lstStyle/>
+          <a:p>
+            <a:r>
+              <a:rPr lang="en-US" dirty="0"/>
+              <a:t>Correlation</a:t>
+            </a:r>
+            <a:r>
+              <a:rPr lang="en-US" b="1" dirty="0"/>
+              <a:t>-</a:t>
+            </a:r>
+            <a:r>
+              <a:rPr lang="en-US" dirty="0"/>
+              <a:t>coefficient matrix</a:t>
+            </a:r>
+          </a:p>
+        </p:txBody>
+      </p:sp>
+      <p:pic>
+        <p:nvPicPr>
+          <p:cNvPr id="9" name="Picture 8">
+            <a:extLst>
+              <a:ext uri="{FF2B5EF4-FFF2-40B4-BE49-F238E27FC236}">
+                <a16:creationId xmlns:a16="http://schemas.microsoft.com/office/drawing/2014/main" id="{5A651DBD-E96A-B94C-AFCA-2DA3C54A1C11}"/>
+              </a:ext>
+            </a:extLst>
+          </p:cNvPr>
+          <p:cNvPicPr>
+            <a:picLocks noChangeAspect="1"/>
+          </p:cNvPicPr>
+          <p:nvPr/>
+        </p:nvPicPr>
+        <p:blipFill>
+          <a:blip r:embed="rId4"/>
+          <a:stretch>
+            <a:fillRect/>
+          </a:stretch>
+        </p:blipFill>
+        <p:spPr>
+          <a:xfrm>
+            <a:off x="6588876" y="0"/>
+            <a:ext cx="5603124" cy="5603124"/>
           </a:xfrm>
           <a:prstGeom prst="rect">
             <a:avLst/>
           </a:prstGeom>
         </p:spPr>
       </p:pic>
+      <p:sp>
+        <p:nvSpPr>
+          <p:cNvPr id="7" name="TextBox 6">
+            <a:extLst>
+              <a:ext uri="{FF2B5EF4-FFF2-40B4-BE49-F238E27FC236}">
+                <a16:creationId xmlns:a16="http://schemas.microsoft.com/office/drawing/2014/main" id="{E1924A99-9FC1-1944-AABA-C5A54747DBE0}"/>
+              </a:ext>
+            </a:extLst>
+          </p:cNvPr>
+          <p:cNvSpPr txBox="1"/>
+          <p:nvPr/>
+        </p:nvSpPr>
+        <p:spPr>
+          <a:xfrm>
+            <a:off x="6776364" y="5519152"/>
+            <a:ext cx="5415636" cy="1200329"/>
+          </a:xfrm>
+          <a:prstGeom prst="rect">
+            <a:avLst/>
+          </a:prstGeom>
+          <a:noFill/>
+        </p:spPr>
+        <p:txBody>
+          <a:bodyPr wrap="square" rtlCol="0">
+            <a:spAutoFit/>
+          </a:bodyPr>
+          <a:lstStyle/>
+          <a:p>
+            <a:pPr marL="285750" indent="-285750">
+              <a:buFont typeface="Arial" panose="020B0604020202020204" pitchFamily="34" charset="0"/>
+              <a:buChar char="•"/>
+            </a:pPr>
+            <a:r>
+              <a:rPr lang="en-US" dirty="0"/>
+              <a:t>Pearson r = -o.032, p = 0.62</a:t>
+            </a:r>
+          </a:p>
+          <a:p>
+            <a:pPr marL="285750" indent="-285750">
+              <a:buFont typeface="Arial" panose="020B0604020202020204" pitchFamily="34" charset="0"/>
+              <a:buChar char="•"/>
+            </a:pPr>
+            <a:r>
+              <a:rPr lang="en-US" dirty="0"/>
+              <a:t>Low p-value Strong correlation and vice-versa.</a:t>
+            </a:r>
+          </a:p>
+          <a:p>
+            <a:pPr marL="285750" indent="-285750">
+              <a:buFont typeface="Arial" panose="020B0604020202020204" pitchFamily="34" charset="0"/>
+              <a:buChar char="•"/>
+            </a:pPr>
+            <a:r>
+              <a:rPr lang="en-US" dirty="0"/>
+              <a:t>GLD is weakly correlated to AAPL( p-value is high)</a:t>
+            </a:r>
+          </a:p>
+          <a:p>
+            <a:endParaRPr lang="en-US" dirty="0"/>
+          </a:p>
+        </p:txBody>
+      </p:sp>
     </p:spTree>
     <p:extLst>
       <p:ext uri="{BB962C8B-B14F-4D97-AF65-F5344CB8AC3E}">
